--- a/three_SPCS_08122021.pptx
+++ b/three_SPCS_08122021.pptx
@@ -5,13 +5,13 @@
     <p:sldMasterId id="2147483648" r:id="rId1"/>
   </p:sldMasterIdLst>
   <p:sldIdLst>
-    <p:sldId id="256" r:id="rId2"/>
-    <p:sldId id="258" r:id="rId3"/>
-    <p:sldId id="259" r:id="rId4"/>
-    <p:sldId id="260" r:id="rId5"/>
-    <p:sldId id="257" r:id="rId6"/>
-    <p:sldId id="261" r:id="rId7"/>
-    <p:sldId id="262" r:id="rId8"/>
+    <p:sldId id="258" r:id="rId2"/>
+    <p:sldId id="259" r:id="rId3"/>
+    <p:sldId id="260" r:id="rId4"/>
+    <p:sldId id="257" r:id="rId5"/>
+    <p:sldId id="261" r:id="rId6"/>
+    <p:sldId id="262" r:id="rId7"/>
+    <p:sldId id="264" r:id="rId8"/>
   </p:sldIdLst>
   <p:sldSz cx="12192000" cy="6858000"/>
   <p:notesSz cx="6858000" cy="9144000"/>
@@ -3332,86 +3332,6 @@
           <p:cNvPr id="2" name="Title 1">
             <a:extLst>
               <a:ext uri="{FF2B5EF4-FFF2-40B4-BE49-F238E27FC236}">
-                <a16:creationId xmlns:a16="http://schemas.microsoft.com/office/drawing/2014/main" id="{3861688F-4A62-9547-A9E3-8C609C5EAEC0}"/>
-              </a:ext>
-            </a:extLst>
-          </p:cNvPr>
-          <p:cNvSpPr>
-            <a:spLocks noGrp="1"/>
-          </p:cNvSpPr>
-          <p:nvPr>
-            <p:ph type="ctrTitle"/>
-          </p:nvPr>
-        </p:nvSpPr>
-        <p:spPr/>
-        <p:txBody>
-          <a:bodyPr/>
-          <a:lstStyle/>
-          <a:p>
-            <a:endParaRPr lang="en-US"/>
-          </a:p>
-        </p:txBody>
-      </p:sp>
-      <p:sp>
-        <p:nvSpPr>
-          <p:cNvPr id="3" name="Subtitle 2">
-            <a:extLst>
-              <a:ext uri="{FF2B5EF4-FFF2-40B4-BE49-F238E27FC236}">
-                <a16:creationId xmlns:a16="http://schemas.microsoft.com/office/drawing/2014/main" id="{FA555185-303E-304B-9EBC-ACA4B681A0AB}"/>
-              </a:ext>
-            </a:extLst>
-          </p:cNvPr>
-          <p:cNvSpPr>
-            <a:spLocks noGrp="1"/>
-          </p:cNvSpPr>
-          <p:nvPr>
-            <p:ph type="subTitle" idx="1"/>
-          </p:nvPr>
-        </p:nvSpPr>
-        <p:spPr/>
-        <p:txBody>
-          <a:bodyPr/>
-          <a:lstStyle/>
-          <a:p>
-            <a:endParaRPr lang="en-US"/>
-          </a:p>
-        </p:txBody>
-      </p:sp>
-    </p:spTree>
-    <p:extLst>
-      <p:ext uri="{BB962C8B-B14F-4D97-AF65-F5344CB8AC3E}">
-        <p14:creationId xmlns:p14="http://schemas.microsoft.com/office/powerpoint/2010/main" val="453186396"/>
-      </p:ext>
-    </p:extLst>
-  </p:cSld>
-  <p:clrMapOvr>
-    <a:masterClrMapping/>
-  </p:clrMapOvr>
-</p:sld>
-</file>
-
-<file path=ppt/slides/slide2.xml><?xml version="1.0" encoding="utf-8"?>
-<p:sld xmlns:a="http://schemas.openxmlformats.org/drawingml/2006/main" xmlns:r="http://schemas.openxmlformats.org/officeDocument/2006/relationships" xmlns:p="http://schemas.openxmlformats.org/presentationml/2006/main">
-  <p:cSld>
-    <p:spTree>
-      <p:nvGrpSpPr>
-        <p:cNvPr id="1" name=""/>
-        <p:cNvGrpSpPr/>
-        <p:nvPr/>
-      </p:nvGrpSpPr>
-      <p:grpSpPr>
-        <a:xfrm>
-          <a:off x="0" y="0"/>
-          <a:ext cx="0" cy="0"/>
-          <a:chOff x="0" y="0"/>
-          <a:chExt cx="0" cy="0"/>
-        </a:xfrm>
-      </p:grpSpPr>
-      <p:sp>
-        <p:nvSpPr>
-          <p:cNvPr id="2" name="Title 1">
-            <a:extLst>
-              <a:ext uri="{FF2B5EF4-FFF2-40B4-BE49-F238E27FC236}">
                 <a16:creationId xmlns:a16="http://schemas.microsoft.com/office/drawing/2014/main" id="{7AC93CD1-2227-3A4D-9039-16FA57A1D400}"/>
               </a:ext>
             </a:extLst>
@@ -3477,7 +3397,7 @@
 </p:sld>
 </file>
 
-<file path=ppt/slides/slide3.xml><?xml version="1.0" encoding="utf-8"?>
+<file path=ppt/slides/slide2.xml><?xml version="1.0" encoding="utf-8"?>
 <p:sld xmlns:a="http://schemas.openxmlformats.org/drawingml/2006/main" xmlns:r="http://schemas.openxmlformats.org/officeDocument/2006/relationships" xmlns:p="http://schemas.openxmlformats.org/presentationml/2006/main">
   <p:cSld>
     <p:spTree>
@@ -3564,7 +3484,7 @@
 </p:sld>
 </file>
 
-<file path=ppt/slides/slide4.xml><?xml version="1.0" encoding="utf-8"?>
+<file path=ppt/slides/slide3.xml><?xml version="1.0" encoding="utf-8"?>
 <p:sld xmlns:a="http://schemas.openxmlformats.org/drawingml/2006/main" xmlns:r="http://schemas.openxmlformats.org/officeDocument/2006/relationships" xmlns:p="http://schemas.openxmlformats.org/presentationml/2006/main">
   <p:cSld>
     <p:spTree>
@@ -3651,6 +3571,95 @@
 </p:sld>
 </file>
 
+<file path=ppt/slides/slide4.xml><?xml version="1.0" encoding="utf-8"?>
+<p:sld xmlns:a="http://schemas.openxmlformats.org/drawingml/2006/main" xmlns:r="http://schemas.openxmlformats.org/officeDocument/2006/relationships" xmlns:p="http://schemas.openxmlformats.org/presentationml/2006/main">
+  <p:cSld>
+    <p:spTree>
+      <p:nvGrpSpPr>
+        <p:cNvPr id="1" name=""/>
+        <p:cNvGrpSpPr/>
+        <p:nvPr/>
+      </p:nvGrpSpPr>
+      <p:grpSpPr>
+        <a:xfrm>
+          <a:off x="0" y="0"/>
+          <a:ext cx="0" cy="0"/>
+          <a:chOff x="0" y="0"/>
+          <a:chExt cx="0" cy="0"/>
+        </a:xfrm>
+      </p:grpSpPr>
+      <p:sp>
+        <p:nvSpPr>
+          <p:cNvPr id="2" name="Title 1">
+            <a:extLst>
+              <a:ext uri="{FF2B5EF4-FFF2-40B4-BE49-F238E27FC236}">
+                <a16:creationId xmlns:a16="http://schemas.microsoft.com/office/drawing/2014/main" id="{86171432-2961-864A-9866-880CF0AD1DA7}"/>
+              </a:ext>
+            </a:extLst>
+          </p:cNvPr>
+          <p:cNvSpPr>
+            <a:spLocks noGrp="1"/>
+          </p:cNvSpPr>
+          <p:nvPr>
+            <p:ph type="title"/>
+          </p:nvPr>
+        </p:nvSpPr>
+        <p:spPr/>
+        <p:txBody>
+          <a:bodyPr/>
+          <a:lstStyle/>
+          <a:p>
+            <a:r>
+              <a:rPr lang="en-US" dirty="0"/>
+              <a:t>SPC Final Recognition: Ignore IFR </a:t>
+            </a:r>
+          </a:p>
+        </p:txBody>
+      </p:sp>
+      <p:sp>
+        <p:nvSpPr>
+          <p:cNvPr id="3" name="Content Placeholder 2">
+            <a:extLst>
+              <a:ext uri="{FF2B5EF4-FFF2-40B4-BE49-F238E27FC236}">
+                <a16:creationId xmlns:a16="http://schemas.microsoft.com/office/drawing/2014/main" id="{A9451DA6-DA36-1446-8E54-D63FDEA3AD6B}"/>
+              </a:ext>
+            </a:extLst>
+          </p:cNvPr>
+          <p:cNvSpPr>
+            <a:spLocks noGrp="1"/>
+          </p:cNvSpPr>
+          <p:nvPr>
+            <p:ph idx="1"/>
+          </p:nvPr>
+        </p:nvSpPr>
+        <p:spPr/>
+        <p:txBody>
+          <a:bodyPr/>
+          <a:lstStyle/>
+          <a:p>
+            <a:pPr marL="0" indent="0">
+              <a:buNone/>
+            </a:pPr>
+            <a:r>
+              <a:rPr lang="en-US" dirty="0"/>
+              <a:t>Final Recognized Items in SP (i) ÷ All Opportunities to Recognize Items from SP (i)</a:t>
+            </a:r>
+          </a:p>
+        </p:txBody>
+      </p:sp>
+    </p:spTree>
+    <p:extLst>
+      <p:ext uri="{BB962C8B-B14F-4D97-AF65-F5344CB8AC3E}">
+        <p14:creationId xmlns:p14="http://schemas.microsoft.com/office/powerpoint/2010/main" val="705257491"/>
+      </p:ext>
+    </p:extLst>
+  </p:cSld>
+  <p:clrMapOvr>
+    <a:masterClrMapping/>
+  </p:clrMapOvr>
+</p:sld>
+</file>
+
 <file path=ppt/slides/slide5.xml><?xml version="1.0" encoding="utf-8"?>
 <p:sld xmlns:a="http://schemas.openxmlformats.org/drawingml/2006/main" xmlns:r="http://schemas.openxmlformats.org/officeDocument/2006/relationships" xmlns:p="http://schemas.openxmlformats.org/presentationml/2006/main">
   <p:cSld>
@@ -3691,7 +3700,7 @@
           <a:p>
             <a:r>
               <a:rPr lang="en-US" dirty="0"/>
-              <a:t>SPC Final Recognition: Ignore IFR </a:t>
+              <a:t>SPC Final Recognition: Conditional on IFR </a:t>
             </a:r>
           </a:p>
         </p:txBody>
@@ -3722,7 +3731,7 @@
             </a:pPr>
             <a:r>
               <a:rPr lang="en-US" dirty="0"/>
-              <a:t>Final Recognized Items in SP (i) ÷ All Opportunities to Recognize Items from SP (i)</a:t>
+              <a:t>Final Recognized Items that were IFR / All IFR Items Testing in Final Recognition</a:t>
             </a:r>
           </a:p>
         </p:txBody>
@@ -3730,7 +3739,7 @@
     </p:spTree>
     <p:extLst>
       <p:ext uri="{BB962C8B-B14F-4D97-AF65-F5344CB8AC3E}">
-        <p14:creationId xmlns:p14="http://schemas.microsoft.com/office/powerpoint/2010/main" val="705257491"/>
+        <p14:creationId xmlns:p14="http://schemas.microsoft.com/office/powerpoint/2010/main" val="2648853271"/>
       </p:ext>
     </p:extLst>
   </p:cSld>
@@ -3780,7 +3789,7 @@
           <a:p>
             <a:r>
               <a:rPr lang="en-US" dirty="0"/>
-              <a:t>SPC Final Recognition: Conditional on IFR </a:t>
+              <a:t>SPC Final Recognition: Excluding IFR </a:t>
             </a:r>
           </a:p>
         </p:txBody>
@@ -3811,7 +3820,7 @@
             </a:pPr>
             <a:r>
               <a:rPr lang="en-US" dirty="0"/>
-              <a:t>Final Recognized Items that were IFR / All IFR Items Testing in Final Recognition</a:t>
+              <a:t>Final Recognized Items (Not IFR)/ All Opportunities to Recognize an Items (Not IFR) from SP (i).</a:t>
             </a:r>
           </a:p>
         </p:txBody>
@@ -3819,7 +3828,7 @@
     </p:spTree>
     <p:extLst>
       <p:ext uri="{BB962C8B-B14F-4D97-AF65-F5344CB8AC3E}">
-        <p14:creationId xmlns:p14="http://schemas.microsoft.com/office/powerpoint/2010/main" val="2648853271"/>
+        <p14:creationId xmlns:p14="http://schemas.microsoft.com/office/powerpoint/2010/main" val="3551509858"/>
       </p:ext>
     </p:extLst>
   </p:cSld>
@@ -3832,6 +3841,14 @@
 <file path=ppt/slides/slide7.xml><?xml version="1.0" encoding="utf-8"?>
 <p:sld xmlns:a="http://schemas.openxmlformats.org/drawingml/2006/main" xmlns:r="http://schemas.openxmlformats.org/officeDocument/2006/relationships" xmlns:p="http://schemas.openxmlformats.org/presentationml/2006/main">
   <p:cSld>
+    <p:bg>
+      <p:bgPr>
+        <a:solidFill>
+          <a:schemeClr val="bg1"/>
+        </a:solidFill>
+        <a:effectLst/>
+      </p:bgPr>
+    </p:bg>
     <p:spTree>
       <p:nvGrpSpPr>
         <p:cNvPr id="1" name=""/>
@@ -3846,69 +3863,162 @@
           <a:chExt cx="0" cy="0"/>
         </a:xfrm>
       </p:grpSpPr>
-      <p:sp>
-        <p:nvSpPr>
-          <p:cNvPr id="2" name="Title 1">
-            <a:extLst>
-              <a:ext uri="{FF2B5EF4-FFF2-40B4-BE49-F238E27FC236}">
-                <a16:creationId xmlns:a16="http://schemas.microsoft.com/office/drawing/2014/main" id="{86171432-2961-864A-9866-880CF0AD1DA7}"/>
-              </a:ext>
-            </a:extLst>
-          </p:cNvPr>
-          <p:cNvSpPr>
-            <a:spLocks noGrp="1"/>
-          </p:cNvSpPr>
-          <p:nvPr>
-            <p:ph type="title"/>
-          </p:nvPr>
-        </p:nvSpPr>
-        <p:spPr/>
-        <p:txBody>
-          <a:bodyPr/>
-          <a:lstStyle/>
-          <a:p>
-            <a:r>
-              <a:rPr lang="en-US" dirty="0"/>
-              <a:t>SPC Final Recognition: Excluding IFR </a:t>
-            </a:r>
-          </a:p>
-        </p:txBody>
-      </p:sp>
-      <p:sp>
-        <p:nvSpPr>
-          <p:cNvPr id="3" name="Content Placeholder 2">
-            <a:extLst>
-              <a:ext uri="{FF2B5EF4-FFF2-40B4-BE49-F238E27FC236}">
-                <a16:creationId xmlns:a16="http://schemas.microsoft.com/office/drawing/2014/main" id="{A9451DA6-DA36-1446-8E54-D63FDEA3AD6B}"/>
-              </a:ext>
-            </a:extLst>
-          </p:cNvPr>
-          <p:cNvSpPr>
-            <a:spLocks noGrp="1"/>
-          </p:cNvSpPr>
+      <p:sp useBgFill="1">
+        <p:nvSpPr>
+          <p:cNvPr id="14" name="Rectangle 13">
+            <a:extLst>
+              <a:ext uri="{FF2B5EF4-FFF2-40B4-BE49-F238E27FC236}">
+                <a16:creationId xmlns:a16="http://schemas.microsoft.com/office/drawing/2014/main" id="{70155189-D96C-4527-B0EC-654B946BE615}"/>
+              </a:ext>
+              <a:ext uri="{C183D7F6-B498-43B3-948B-1728B52AA6E4}">
+                <adec:decorative xmlns:adec="http://schemas.microsoft.com/office/drawing/2017/decorative" val="1"/>
+              </a:ext>
+            </a:extLst>
+          </p:cNvPr>
+          <p:cNvSpPr>
+            <a:spLocks noGrp="1" noRot="1" noChangeAspect="1" noMove="1" noResize="1" noEditPoints="1" noAdjustHandles="1" noChangeArrowheads="1" noChangeShapeType="1" noTextEdit="1"/>
+          </p:cNvSpPr>
+          <p:nvPr>
+            <p:extLst>
+              <p:ext uri="{386F3935-93C4-4BCD-93E2-E3B085C9AB24}">
+                <p16:designElem xmlns:p16="http://schemas.microsoft.com/office/powerpoint/2015/main" val="1"/>
+              </p:ext>
+            </p:extLst>
+          </p:nvPr>
+        </p:nvSpPr>
+        <p:spPr>
+          <a:xfrm>
+            <a:off x="-1" y="0"/>
+            <a:ext cx="12188952" cy="6858000"/>
+          </a:xfrm>
+          <a:prstGeom prst="rect">
+            <a:avLst/>
+          </a:prstGeom>
+          <a:ln>
+            <a:noFill/>
+          </a:ln>
+        </p:spPr>
+        <p:style>
+          <a:lnRef idx="2">
+            <a:schemeClr val="accent1">
+              <a:shade val="50000"/>
+            </a:schemeClr>
+          </a:lnRef>
+          <a:fillRef idx="1">
+            <a:schemeClr val="accent1"/>
+          </a:fillRef>
+          <a:effectRef idx="0">
+            <a:schemeClr val="accent1"/>
+          </a:effectRef>
+          <a:fontRef idx="minor">
+            <a:schemeClr val="lt1"/>
+          </a:fontRef>
+        </p:style>
+        <p:txBody>
+          <a:bodyPr rtlCol="0" anchor="ctr"/>
+          <a:lstStyle/>
+          <a:p>
+            <a:pPr algn="ctr"/>
+            <a:endParaRPr lang="en-US"/>
+          </a:p>
+        </p:txBody>
+      </p:sp>
+      <p:pic>
+        <p:nvPicPr>
+          <p:cNvPr id="7" name="Picture 6" descr="Chart, line chart&#10;&#10;Description automatically generated">
+            <a:extLst>
+              <a:ext uri="{FF2B5EF4-FFF2-40B4-BE49-F238E27FC236}">
+                <a16:creationId xmlns:a16="http://schemas.microsoft.com/office/drawing/2014/main" id="{AE2A726E-438B-ED48-A54A-B4AA2F2CBA2A}"/>
+              </a:ext>
+            </a:extLst>
+          </p:cNvPr>
+          <p:cNvPicPr>
+            <a:picLocks noChangeAspect="1"/>
+          </p:cNvPicPr>
+          <p:nvPr/>
+        </p:nvPicPr>
+        <p:blipFill>
+          <a:blip r:embed="rId2"/>
+          <a:stretch>
+            <a:fillRect/>
+          </a:stretch>
+        </p:blipFill>
+        <p:spPr>
+          <a:xfrm>
+            <a:off x="1010025" y="178122"/>
+            <a:ext cx="4402728" cy="3302046"/>
+          </a:xfrm>
+          <a:prstGeom prst="rect">
+            <a:avLst/>
+          </a:prstGeom>
+        </p:spPr>
+      </p:pic>
+      <p:pic>
+        <p:nvPicPr>
+          <p:cNvPr id="9" name="Picture 8" descr="Chart, diagram&#10;&#10;Description automatically generated">
+            <a:extLst>
+              <a:ext uri="{FF2B5EF4-FFF2-40B4-BE49-F238E27FC236}">
+                <a16:creationId xmlns:a16="http://schemas.microsoft.com/office/drawing/2014/main" id="{EE29D4C7-0642-664B-A686-7AE6A85B8FFE}"/>
+              </a:ext>
+            </a:extLst>
+          </p:cNvPr>
+          <p:cNvPicPr>
+            <a:picLocks noChangeAspect="1"/>
+          </p:cNvPicPr>
+          <p:nvPr/>
+        </p:nvPicPr>
+        <p:blipFill>
+          <a:blip r:embed="rId3"/>
+          <a:stretch>
+            <a:fillRect/>
+          </a:stretch>
+        </p:blipFill>
+        <p:spPr>
+          <a:xfrm>
+            <a:off x="3893111" y="3555954"/>
+            <a:ext cx="4402728" cy="3302046"/>
+          </a:xfrm>
+          <a:prstGeom prst="rect">
+            <a:avLst/>
+          </a:prstGeom>
+        </p:spPr>
+      </p:pic>
+      <p:pic>
+        <p:nvPicPr>
+          <p:cNvPr id="5" name="Content Placeholder 4" descr="Chart, line chart&#10;&#10;Description automatically generated">
+            <a:extLst>
+              <a:ext uri="{FF2B5EF4-FFF2-40B4-BE49-F238E27FC236}">
+                <a16:creationId xmlns:a16="http://schemas.microsoft.com/office/drawing/2014/main" id="{5E432F6C-4C39-154E-9505-7B33C28021E4}"/>
+              </a:ext>
+            </a:extLst>
+          </p:cNvPr>
+          <p:cNvPicPr>
+            <a:picLocks noGrp="1" noChangeAspect="1"/>
+          </p:cNvPicPr>
           <p:nvPr>
             <p:ph idx="1"/>
           </p:nvPr>
-        </p:nvSpPr>
-        <p:spPr/>
-        <p:txBody>
-          <a:bodyPr/>
-          <a:lstStyle/>
-          <a:p>
-            <a:pPr marL="0" indent="0">
-              <a:buNone/>
-            </a:pPr>
-            <a:r>
-              <a:rPr lang="en-US" dirty="0"/>
-              <a:t>Final Recognized Items (Not IFR)/ All Opportunities to Recognize an Items (Not IFR) from SP (i).</a:t>
-            </a:r>
-          </a:p>
-        </p:txBody>
-      </p:sp>
+        </p:nvPicPr>
+        <p:blipFill>
+          <a:blip r:embed="rId4"/>
+          <a:stretch>
+            <a:fillRect/>
+          </a:stretch>
+        </p:blipFill>
+        <p:spPr>
+          <a:xfrm>
+            <a:off x="6779249" y="178122"/>
+            <a:ext cx="4402728" cy="3302046"/>
+          </a:xfrm>
+          <a:prstGeom prst="rect">
+            <a:avLst/>
+          </a:prstGeom>
+        </p:spPr>
+      </p:pic>
     </p:spTree>
     <p:extLst>
       <p:ext uri="{BB962C8B-B14F-4D97-AF65-F5344CB8AC3E}">
-        <p14:creationId xmlns:p14="http://schemas.microsoft.com/office/powerpoint/2010/main" val="3551509858"/>
+        <p14:creationId xmlns:p14="http://schemas.microsoft.com/office/powerpoint/2010/main" val="3357196268"/>
       </p:ext>
     </p:extLst>
   </p:cSld>
